--- a/docs/Грицина_Егор_43504_3_вкр_доклад.pptx
+++ b/docs/Грицина_Егор_43504_3_вкр_доклад.pptx
@@ -214,11 +214,11 @@
           <c:showBubbleSize val="0"/>
         </c:dLbls>
         <c:gapWidth val="150"/>
-        <c:axId val="79559680"/>
-        <c:axId val="87217664"/>
+        <c:axId val="32464256"/>
+        <c:axId val="32478336"/>
       </c:barChart>
       <c:catAx>
-        <c:axId val="79559680"/>
+        <c:axId val="32464256"/>
         <c:scaling>
           <c:orientation val="minMax"/>
         </c:scaling>
@@ -227,7 +227,7 @@
         <c:majorTickMark val="out"/>
         <c:minorTickMark val="none"/>
         <c:tickLblPos val="nextTo"/>
-        <c:crossAx val="87217664"/>
+        <c:crossAx val="32478336"/>
         <c:crosses val="autoZero"/>
         <c:auto val="1"/>
         <c:lblAlgn val="ctr"/>
@@ -235,7 +235,7 @@
         <c:noMultiLvlLbl val="0"/>
       </c:catAx>
       <c:valAx>
-        <c:axId val="87217664"/>
+        <c:axId val="32478336"/>
         <c:scaling>
           <c:orientation val="minMax"/>
           <c:max val="100"/>
@@ -247,7 +247,7 @@
         <c:majorTickMark val="out"/>
         <c:minorTickMark val="none"/>
         <c:tickLblPos val="nextTo"/>
-        <c:crossAx val="79559680"/>
+        <c:crossAx val="32464256"/>
         <c:crosses val="autoZero"/>
         <c:crossBetween val="between"/>
       </c:valAx>
@@ -3645,7 +3645,15 @@
             <a:pPr algn="just"/>
             <a:r>
               <a:rPr lang="ru-RU" dirty="0" smtClean="0"/>
-              <a:t>Синтаксический анализатор, входящие в библиотеку </a:t>
+              <a:t>Синтаксический анализатор, </a:t>
+            </a:r>
+            <a:r>
+              <a:rPr lang="ru-RU" dirty="0" smtClean="0"/>
+              <a:t>входящий </a:t>
+            </a:r>
+            <a:r>
+              <a:rPr lang="ru-RU" dirty="0" smtClean="0"/>
+              <a:t>в библиотеку </a:t>
             </a:r>
             <a:r>
               <a:rPr lang="en-US" b="1" dirty="0" smtClean="0"/>
@@ -3875,6 +3883,13 @@
   <p:clrMapOvr>
     <a:masterClrMapping/>
   </p:clrMapOvr>
+  <p:timing>
+    <p:tnLst>
+      <p:par>
+        <p:cTn id="1" dur="indefinite" restart="never" nodeType="tmRoot"/>
+      </p:par>
+    </p:tnLst>
+  </p:timing>
 </p:sld>
 </file>
 
@@ -4112,6 +4127,13 @@
   <p:clrMapOvr>
     <a:masterClrMapping/>
   </p:clrMapOvr>
+  <p:timing>
+    <p:tnLst>
+      <p:par>
+        <p:cTn id="1" dur="indefinite" restart="never" nodeType="tmRoot"/>
+      </p:par>
+    </p:tnLst>
+  </p:timing>
 </p:sld>
 </file>
 
@@ -4416,6 +4438,13 @@
   <p:clrMapOvr>
     <a:masterClrMapping/>
   </p:clrMapOvr>
+  <p:timing>
+    <p:tnLst>
+      <p:par>
+        <p:cTn id="1" dur="indefinite" restart="never" nodeType="tmRoot"/>
+      </p:par>
+    </p:tnLst>
+  </p:timing>
 </p:sld>
 </file>
 
@@ -4680,6 +4709,13 @@
   <p:clrMapOvr>
     <a:masterClrMapping/>
   </p:clrMapOvr>
+  <p:timing>
+    <p:tnLst>
+      <p:par>
+        <p:cTn id="1" dur="indefinite" restart="never" nodeType="tmRoot"/>
+      </p:par>
+    </p:tnLst>
+  </p:timing>
 </p:sld>
 </file>
 
@@ -5707,6 +5743,13 @@
   <p:clrMapOvr>
     <a:masterClrMapping/>
   </p:clrMapOvr>
+  <p:timing>
+    <p:tnLst>
+      <p:par>
+        <p:cTn id="1" dur="indefinite" restart="never" nodeType="tmRoot"/>
+      </p:par>
+    </p:tnLst>
+  </p:timing>
 </p:sld>
 </file>
 
@@ -5806,6 +5849,13 @@
   <p:clrMapOvr>
     <a:masterClrMapping/>
   </p:clrMapOvr>
+  <p:timing>
+    <p:tnLst>
+      <p:par>
+        <p:cTn id="1" dur="indefinite" restart="never" nodeType="tmRoot"/>
+      </p:par>
+    </p:tnLst>
+  </p:timing>
 </p:sld>
 </file>
 
@@ -5854,8 +5904,8 @@
           </a:p>
         </p:txBody>
       </p:sp>
-      <mc:AlternateContent xmlns:mc="http://schemas.openxmlformats.org/markup-compatibility/2006">
-        <mc:Choice xmlns:a14="http://schemas.microsoft.com/office/drawing/2010/main" Requires="a14">
+      <mc:AlternateContent xmlns:mc="http://schemas.openxmlformats.org/markup-compatibility/2006" xmlns:a14="http://schemas.microsoft.com/office/drawing/2010/main">
+        <mc:Choice Requires="a14">
           <p:sp>
             <p:nvSpPr>
               <p:cNvPr id="3" name="Объект 2"/>
@@ -6118,7 +6168,7 @@
             </p:txBody>
           </p:sp>
         </mc:Choice>
-        <mc:Fallback>
+        <mc:Fallback xmlns="">
           <p:sp>
             <p:nvSpPr>
               <p:cNvPr id="3" name="Объект 2"/>
@@ -6166,6 +6216,13 @@
   <p:clrMapOvr>
     <a:masterClrMapping/>
   </p:clrMapOvr>
+  <p:timing>
+    <p:tnLst>
+      <p:par>
+        <p:cTn id="1" dur="indefinite" restart="never" nodeType="tmRoot"/>
+      </p:par>
+    </p:tnLst>
+  </p:timing>
 </p:sld>
 </file>
 
@@ -6476,6 +6533,13 @@
   <p:clrMapOvr>
     <a:masterClrMapping/>
   </p:clrMapOvr>
+  <p:timing>
+    <p:tnLst>
+      <p:par>
+        <p:cTn id="1" dur="indefinite" restart="never" nodeType="tmRoot"/>
+      </p:par>
+    </p:tnLst>
+  </p:timing>
 </p:sld>
 </file>
 
@@ -6809,6 +6873,13 @@
   <p:clrMapOvr>
     <a:masterClrMapping/>
   </p:clrMapOvr>
+  <p:timing>
+    <p:tnLst>
+      <p:par>
+        <p:cTn id="1" dur="indefinite" restart="never" nodeType="tmRoot"/>
+      </p:par>
+    </p:tnLst>
+  </p:timing>
 </p:sld>
 </file>
 
@@ -6943,6 +7014,13 @@
   <p:clrMapOvr>
     <a:masterClrMapping/>
   </p:clrMapOvr>
+  <p:timing>
+    <p:tnLst>
+      <p:par>
+        <p:cTn id="1" dur="indefinite" restart="never" nodeType="tmRoot"/>
+      </p:par>
+    </p:tnLst>
+  </p:timing>
 </p:sld>
 </file>
 
@@ -7779,6 +7857,13 @@
   <p:clrMapOvr>
     <a:masterClrMapping/>
   </p:clrMapOvr>
+  <p:timing>
+    <p:tnLst>
+      <p:par>
+        <p:cTn id="1" dur="indefinite" restart="never" nodeType="tmRoot"/>
+      </p:par>
+    </p:tnLst>
+  </p:timing>
 </p:sld>
 </file>
 
@@ -7862,6 +7947,13 @@
   <p:clrMapOvr>
     <a:masterClrMapping/>
   </p:clrMapOvr>
+  <p:timing>
+    <p:tnLst>
+      <p:par>
+        <p:cTn id="1" dur="indefinite" restart="never" nodeType="tmRoot"/>
+      </p:par>
+    </p:tnLst>
+  </p:timing>
 </p:sld>
 </file>
 
@@ -7928,7 +8020,11 @@
             <a:pPr algn="just"/>
             <a:r>
               <a:rPr lang="ru-RU" dirty="0"/>
-              <a:t>Интеграция данного алгоритма в существующую систему понимания естественной речи позволила бы существенно повысить точность работы такой </a:t>
+              <a:t>Интеграция данного алгоритма в существующую систему понимания естественной речи позволила бы существенно повысить точность работы </a:t>
+            </a:r>
+            <a:r>
+              <a:rPr lang="ru-RU" dirty="0" smtClean="0"/>
+              <a:t>такой системы </a:t>
             </a:r>
             <a:r>
               <a:rPr lang="ru-RU" dirty="0" smtClean="0"/>
@@ -7964,6 +8060,13 @@
   <p:clrMapOvr>
     <a:masterClrMapping/>
   </p:clrMapOvr>
+  <p:timing>
+    <p:tnLst>
+      <p:par>
+        <p:cTn id="1" dur="indefinite" restart="never" nodeType="tmRoot"/>
+      </p:par>
+    </p:tnLst>
+  </p:timing>
 </p:sld>
 </file>
 
@@ -8022,6 +8125,13 @@
   <p:clrMapOvr>
     <a:masterClrMapping/>
   </p:clrMapOvr>
+  <p:timing>
+    <p:tnLst>
+      <p:par>
+        <p:cTn id="1" dur="indefinite" restart="never" nodeType="tmRoot"/>
+      </p:par>
+    </p:tnLst>
+  </p:timing>
 </p:sld>
 </file>
 
@@ -8503,14 +8613,26 @@
         </p:spPr>
         <p:txBody>
           <a:bodyPr>
-            <a:normAutofit fontScale="92500"/>
+            <a:normAutofit fontScale="92500" lnSpcReduction="10000"/>
           </a:bodyPr>
           <a:lstStyle/>
           <a:p>
             <a:pPr algn="just"/>
             <a:r>
               <a:rPr lang="ru-RU" dirty="0" smtClean="0"/>
-              <a:t>Не получится определить грамматический шаблон для предложений с распространяющими словами:</a:t>
+              <a:t>Не получится определить </a:t>
+            </a:r>
+            <a:r>
+              <a:rPr lang="ru-RU" dirty="0" smtClean="0"/>
+              <a:t>подходящий </a:t>
+            </a:r>
+            <a:r>
+              <a:rPr lang="ru-RU" dirty="0" smtClean="0"/>
+              <a:t>грамматический </a:t>
+            </a:r>
+            <a:r>
+              <a:rPr lang="ru-RU" dirty="0" smtClean="0"/>
+              <a:t>шаблон для предложений с распространяющими словами:</a:t>
             </a:r>
           </a:p>
           <a:p>
@@ -8771,14 +8893,23 @@
             <a:pPr algn="just"/>
             <a:r>
               <a:rPr lang="ru-RU" dirty="0" smtClean="0"/>
-              <a:t>Разработать метод подсчета достоверности гипотез</a:t>
-            </a:r>
+              <a:t>Разработать метод подсчета достоверности </a:t>
+            </a:r>
+            <a:r>
+              <a:rPr lang="ru-RU" dirty="0" smtClean="0"/>
+              <a:t>гипотез.</a:t>
+            </a:r>
+            <a:endParaRPr lang="ru-RU" dirty="0" smtClean="0"/>
           </a:p>
           <a:p>
             <a:pPr algn="just"/>
             <a:r>
               <a:rPr lang="ru-RU" dirty="0" smtClean="0"/>
-              <a:t>Провести тестирование алгоритма и оценить результаты его работы</a:t>
+              <a:t>Провести тестирование алгоритма и оценить результаты его </a:t>
+            </a:r>
+            <a:r>
+              <a:rPr lang="ru-RU" dirty="0" smtClean="0"/>
+              <a:t>работы.</a:t>
             </a:r>
             <a:endParaRPr lang="en-US" dirty="0"/>
           </a:p>

--- a/docs/Грицина_Егор_43504_3_вкр_доклад.pptx
+++ b/docs/Грицина_Егор_43504_3_вкр_доклад.pptx
@@ -1,9 +1,12 @@
 
 <file path=ppt/presentation.xml><?xml version="1.0" encoding="utf-8"?>
-<p:presentation xmlns:a="http://schemas.openxmlformats.org/drawingml/2006/main" xmlns:r="http://schemas.openxmlformats.org/officeDocument/2006/relationships" xmlns:p="http://schemas.openxmlformats.org/presentationml/2006/main" saveSubsetFonts="1">
+<p:presentation xmlns:a="http://schemas.openxmlformats.org/drawingml/2006/main" xmlns:r="http://schemas.openxmlformats.org/officeDocument/2006/relationships" xmlns:p="http://schemas.openxmlformats.org/presentationml/2006/main" showSpecialPlsOnTitleSld="0" saveSubsetFonts="1">
   <p:sldMasterIdLst>
     <p:sldMasterId id="2147483696" r:id="rId1"/>
   </p:sldMasterIdLst>
+  <p:notesMasterIdLst>
+    <p:notesMasterId r:id="rId25"/>
+  </p:notesMasterIdLst>
   <p:sldIdLst>
     <p:sldId id="256" r:id="rId2"/>
     <p:sldId id="257" r:id="rId3"/>
@@ -132,7 +135,7 @@
 <file path=ppt/charts/chart1.xml><?xml version="1.0" encoding="utf-8"?>
 <c:chartSpace xmlns:c="http://schemas.openxmlformats.org/drawingml/2006/chart" xmlns:a="http://schemas.openxmlformats.org/drawingml/2006/main" xmlns:r="http://schemas.openxmlformats.org/officeDocument/2006/relationships">
   <c:date1904 val="0"/>
-  <c:lang val="en-US"/>
+  <c:lang val="ru-RU"/>
   <c:roundedCorners val="0"/>
   <mc:AlternateContent xmlns:mc="http://schemas.openxmlformats.org/markup-compatibility/2006">
     <mc:Choice xmlns:c14="http://schemas.microsoft.com/office/drawing/2007/8/2/chart" Requires="c14">
@@ -214,11 +217,11 @@
           <c:showBubbleSize val="0"/>
         </c:dLbls>
         <c:gapWidth val="150"/>
-        <c:axId val="32464256"/>
-        <c:axId val="32478336"/>
+        <c:axId val="35590656"/>
+        <c:axId val="154470656"/>
       </c:barChart>
       <c:catAx>
-        <c:axId val="32464256"/>
+        <c:axId val="35590656"/>
         <c:scaling>
           <c:orientation val="minMax"/>
         </c:scaling>
@@ -227,7 +230,7 @@
         <c:majorTickMark val="out"/>
         <c:minorTickMark val="none"/>
         <c:tickLblPos val="nextTo"/>
-        <c:crossAx val="32478336"/>
+        <c:crossAx val="154470656"/>
         <c:crosses val="autoZero"/>
         <c:auto val="1"/>
         <c:lblAlgn val="ctr"/>
@@ -235,7 +238,7 @@
         <c:noMultiLvlLbl val="0"/>
       </c:catAx>
       <c:valAx>
-        <c:axId val="32478336"/>
+        <c:axId val="154470656"/>
         <c:scaling>
           <c:orientation val="minMax"/>
           <c:max val="100"/>
@@ -247,7 +250,7 @@
         <c:majorTickMark val="out"/>
         <c:minorTickMark val="none"/>
         <c:tickLblPos val="nextTo"/>
-        <c:crossAx val="32464256"/>
+        <c:crossAx val="35590656"/>
         <c:crosses val="autoZero"/>
         <c:crossBetween val="between"/>
       </c:valAx>
@@ -263,13 +266,363 @@
       <a:pPr>
         <a:defRPr sz="1800"/>
       </a:pPr>
-      <a:endParaRPr lang="en-US"/>
+      <a:endParaRPr lang="ru-RU"/>
     </a:p>
   </c:txPr>
   <c:externalData r:id="rId1">
     <c:autoUpdate val="0"/>
   </c:externalData>
 </c:chartSpace>
+</file>
+
+<file path=ppt/notesMasters/notesMaster1.xml><?xml version="1.0" encoding="utf-8"?>
+<p:notesMaster xmlns:a="http://schemas.openxmlformats.org/drawingml/2006/main" xmlns:r="http://schemas.openxmlformats.org/officeDocument/2006/relationships" xmlns:p="http://schemas.openxmlformats.org/presentationml/2006/main">
+  <p:cSld>
+    <p:bg>
+      <p:bgRef idx="1001">
+        <a:schemeClr val="bg1"/>
+      </p:bgRef>
+    </p:bg>
+    <p:spTree>
+      <p:nvGrpSpPr>
+        <p:cNvPr id="1" name=""/>
+        <p:cNvGrpSpPr/>
+        <p:nvPr/>
+      </p:nvGrpSpPr>
+      <p:grpSpPr>
+        <a:xfrm>
+          <a:off x="0" y="0"/>
+          <a:ext cx="0" cy="0"/>
+          <a:chOff x="0" y="0"/>
+          <a:chExt cx="0" cy="0"/>
+        </a:xfrm>
+      </p:grpSpPr>
+      <p:sp>
+        <p:nvSpPr>
+          <p:cNvPr id="2" name="Верхний колонтитул 1"/>
+          <p:cNvSpPr>
+            <a:spLocks noGrp="1"/>
+          </p:cNvSpPr>
+          <p:nvPr>
+            <p:ph type="hdr" sz="quarter"/>
+          </p:nvPr>
+        </p:nvSpPr>
+        <p:spPr>
+          <a:xfrm>
+            <a:off x="0" y="0"/>
+            <a:ext cx="2971800" cy="457200"/>
+          </a:xfrm>
+          <a:prstGeom prst="rect">
+            <a:avLst/>
+          </a:prstGeom>
+        </p:spPr>
+        <p:txBody>
+          <a:bodyPr vert="horz" lIns="91440" tIns="45720" rIns="91440" bIns="45720" rtlCol="0"/>
+          <a:lstStyle>
+            <a:lvl1pPr algn="l">
+              <a:defRPr sz="1200"/>
+            </a:lvl1pPr>
+          </a:lstStyle>
+          <a:p>
+            <a:endParaRPr lang="ru-RU"/>
+          </a:p>
+        </p:txBody>
+      </p:sp>
+      <p:sp>
+        <p:nvSpPr>
+          <p:cNvPr id="3" name="Дата 2"/>
+          <p:cNvSpPr>
+            <a:spLocks noGrp="1"/>
+          </p:cNvSpPr>
+          <p:nvPr>
+            <p:ph type="dt" idx="1"/>
+          </p:nvPr>
+        </p:nvSpPr>
+        <p:spPr>
+          <a:xfrm>
+            <a:off x="3884613" y="0"/>
+            <a:ext cx="2971800" cy="457200"/>
+          </a:xfrm>
+          <a:prstGeom prst="rect">
+            <a:avLst/>
+          </a:prstGeom>
+        </p:spPr>
+        <p:txBody>
+          <a:bodyPr vert="horz" lIns="91440" tIns="45720" rIns="91440" bIns="45720" rtlCol="0"/>
+          <a:lstStyle>
+            <a:lvl1pPr algn="r">
+              <a:defRPr sz="1200"/>
+            </a:lvl1pPr>
+          </a:lstStyle>
+          <a:p>
+            <a:fld id="{FDAEA2C6-2462-4219-865A-F22CC0C1259B}" type="datetimeFigureOut">
+              <a:rPr lang="ru-RU" smtClean="0"/>
+              <a:t>14.06.2016</a:t>
+            </a:fld>
+            <a:endParaRPr lang="ru-RU"/>
+          </a:p>
+        </p:txBody>
+      </p:sp>
+      <p:sp>
+        <p:nvSpPr>
+          <p:cNvPr id="4" name="Образ слайда 3"/>
+          <p:cNvSpPr>
+            <a:spLocks noGrp="1" noRot="1" noChangeAspect="1"/>
+          </p:cNvSpPr>
+          <p:nvPr>
+            <p:ph type="sldImg" idx="2"/>
+          </p:nvPr>
+        </p:nvSpPr>
+        <p:spPr>
+          <a:xfrm>
+            <a:off x="1143000" y="685800"/>
+            <a:ext cx="4572000" cy="3429000"/>
+          </a:xfrm>
+          <a:prstGeom prst="rect">
+            <a:avLst/>
+          </a:prstGeom>
+          <a:noFill/>
+          <a:ln w="12700">
+            <a:solidFill>
+              <a:prstClr val="black"/>
+            </a:solidFill>
+          </a:ln>
+        </p:spPr>
+        <p:txBody>
+          <a:bodyPr vert="horz" lIns="91440" tIns="45720" rIns="91440" bIns="45720" rtlCol="0" anchor="ctr"/>
+          <a:lstStyle/>
+          <a:p>
+            <a:endParaRPr lang="ru-RU"/>
+          </a:p>
+        </p:txBody>
+      </p:sp>
+      <p:sp>
+        <p:nvSpPr>
+          <p:cNvPr id="5" name="Заметки 4"/>
+          <p:cNvSpPr>
+            <a:spLocks noGrp="1"/>
+          </p:cNvSpPr>
+          <p:nvPr>
+            <p:ph type="body" sz="quarter" idx="3"/>
+          </p:nvPr>
+        </p:nvSpPr>
+        <p:spPr>
+          <a:xfrm>
+            <a:off x="685800" y="4343400"/>
+            <a:ext cx="5486400" cy="4114800"/>
+          </a:xfrm>
+          <a:prstGeom prst="rect">
+            <a:avLst/>
+          </a:prstGeom>
+        </p:spPr>
+        <p:txBody>
+          <a:bodyPr vert="horz" lIns="91440" tIns="45720" rIns="91440" bIns="45720" rtlCol="0"/>
+          <a:lstStyle/>
+          <a:p>
+            <a:pPr lvl="0"/>
+            <a:r>
+              <a:rPr lang="ru-RU" smtClean="0"/>
+              <a:t>Образец текста</a:t>
+            </a:r>
+          </a:p>
+          <a:p>
+            <a:pPr lvl="1"/>
+            <a:r>
+              <a:rPr lang="ru-RU" smtClean="0"/>
+              <a:t>Второй уровень</a:t>
+            </a:r>
+          </a:p>
+          <a:p>
+            <a:pPr lvl="2"/>
+            <a:r>
+              <a:rPr lang="ru-RU" smtClean="0"/>
+              <a:t>Третий уровень</a:t>
+            </a:r>
+          </a:p>
+          <a:p>
+            <a:pPr lvl="3"/>
+            <a:r>
+              <a:rPr lang="ru-RU" smtClean="0"/>
+              <a:t>Четвертый уровень</a:t>
+            </a:r>
+          </a:p>
+          <a:p>
+            <a:pPr lvl="4"/>
+            <a:r>
+              <a:rPr lang="ru-RU" smtClean="0"/>
+              <a:t>Пятый уровень</a:t>
+            </a:r>
+            <a:endParaRPr lang="ru-RU"/>
+          </a:p>
+        </p:txBody>
+      </p:sp>
+      <p:sp>
+        <p:nvSpPr>
+          <p:cNvPr id="6" name="Нижний колонтитул 5"/>
+          <p:cNvSpPr>
+            <a:spLocks noGrp="1"/>
+          </p:cNvSpPr>
+          <p:nvPr>
+            <p:ph type="ftr" sz="quarter" idx="4"/>
+          </p:nvPr>
+        </p:nvSpPr>
+        <p:spPr>
+          <a:xfrm>
+            <a:off x="0" y="8685213"/>
+            <a:ext cx="2971800" cy="457200"/>
+          </a:xfrm>
+          <a:prstGeom prst="rect">
+            <a:avLst/>
+          </a:prstGeom>
+        </p:spPr>
+        <p:txBody>
+          <a:bodyPr vert="horz" lIns="91440" tIns="45720" rIns="91440" bIns="45720" rtlCol="0" anchor="b"/>
+          <a:lstStyle>
+            <a:lvl1pPr algn="l">
+              <a:defRPr sz="1200"/>
+            </a:lvl1pPr>
+          </a:lstStyle>
+          <a:p>
+            <a:endParaRPr lang="ru-RU"/>
+          </a:p>
+        </p:txBody>
+      </p:sp>
+      <p:sp>
+        <p:nvSpPr>
+          <p:cNvPr id="7" name="Номер слайда 6"/>
+          <p:cNvSpPr>
+            <a:spLocks noGrp="1"/>
+          </p:cNvSpPr>
+          <p:nvPr>
+            <p:ph type="sldNum" sz="quarter" idx="5"/>
+          </p:nvPr>
+        </p:nvSpPr>
+        <p:spPr>
+          <a:xfrm>
+            <a:off x="3884613" y="8685213"/>
+            <a:ext cx="2971800" cy="457200"/>
+          </a:xfrm>
+          <a:prstGeom prst="rect">
+            <a:avLst/>
+          </a:prstGeom>
+        </p:spPr>
+        <p:txBody>
+          <a:bodyPr vert="horz" lIns="91440" tIns="45720" rIns="91440" bIns="45720" rtlCol="0" anchor="b"/>
+          <a:lstStyle>
+            <a:lvl1pPr algn="r">
+              <a:defRPr sz="1200"/>
+            </a:lvl1pPr>
+          </a:lstStyle>
+          <a:p>
+            <a:fld id="{779856DE-7E2F-46F9-8E6E-D0BE1D3E0638}" type="slidenum">
+              <a:rPr lang="ru-RU" smtClean="0"/>
+              <a:t>‹#›</a:t>
+            </a:fld>
+            <a:endParaRPr lang="ru-RU"/>
+          </a:p>
+        </p:txBody>
+      </p:sp>
+    </p:spTree>
+    <p:extLst>
+      <p:ext uri="{BB962C8B-B14F-4D97-AF65-F5344CB8AC3E}">
+        <p14:creationId xmlns:p14="http://schemas.microsoft.com/office/powerpoint/2010/main" val="947245979"/>
+      </p:ext>
+    </p:extLst>
+  </p:cSld>
+  <p:clrMap bg1="lt1" tx1="dk1" bg2="lt2" tx2="dk2" accent1="accent1" accent2="accent2" accent3="accent3" accent4="accent4" accent5="accent5" accent6="accent6" hlink="hlink" folHlink="folHlink"/>
+  <p:notesStyle>
+    <a:lvl1pPr marL="0" algn="l" defTabSz="914400" rtl="0" eaLnBrk="1" latinLnBrk="0" hangingPunct="1">
+      <a:defRPr sz="1200" kern="1200">
+        <a:solidFill>
+          <a:schemeClr val="tx1"/>
+        </a:solidFill>
+        <a:latin typeface="+mn-lt"/>
+        <a:ea typeface="+mn-ea"/>
+        <a:cs typeface="+mn-cs"/>
+      </a:defRPr>
+    </a:lvl1pPr>
+    <a:lvl2pPr marL="457200" algn="l" defTabSz="914400" rtl="0" eaLnBrk="1" latinLnBrk="0" hangingPunct="1">
+      <a:defRPr sz="1200" kern="1200">
+        <a:solidFill>
+          <a:schemeClr val="tx1"/>
+        </a:solidFill>
+        <a:latin typeface="+mn-lt"/>
+        <a:ea typeface="+mn-ea"/>
+        <a:cs typeface="+mn-cs"/>
+      </a:defRPr>
+    </a:lvl2pPr>
+    <a:lvl3pPr marL="914400" algn="l" defTabSz="914400" rtl="0" eaLnBrk="1" latinLnBrk="0" hangingPunct="1">
+      <a:defRPr sz="1200" kern="1200">
+        <a:solidFill>
+          <a:schemeClr val="tx1"/>
+        </a:solidFill>
+        <a:latin typeface="+mn-lt"/>
+        <a:ea typeface="+mn-ea"/>
+        <a:cs typeface="+mn-cs"/>
+      </a:defRPr>
+    </a:lvl3pPr>
+    <a:lvl4pPr marL="1371600" algn="l" defTabSz="914400" rtl="0" eaLnBrk="1" latinLnBrk="0" hangingPunct="1">
+      <a:defRPr sz="1200" kern="1200">
+        <a:solidFill>
+          <a:schemeClr val="tx1"/>
+        </a:solidFill>
+        <a:latin typeface="+mn-lt"/>
+        <a:ea typeface="+mn-ea"/>
+        <a:cs typeface="+mn-cs"/>
+      </a:defRPr>
+    </a:lvl4pPr>
+    <a:lvl5pPr marL="1828800" algn="l" defTabSz="914400" rtl="0" eaLnBrk="1" latinLnBrk="0" hangingPunct="1">
+      <a:defRPr sz="1200" kern="1200">
+        <a:solidFill>
+          <a:schemeClr val="tx1"/>
+        </a:solidFill>
+        <a:latin typeface="+mn-lt"/>
+        <a:ea typeface="+mn-ea"/>
+        <a:cs typeface="+mn-cs"/>
+      </a:defRPr>
+    </a:lvl5pPr>
+    <a:lvl6pPr marL="2286000" algn="l" defTabSz="914400" rtl="0" eaLnBrk="1" latinLnBrk="0" hangingPunct="1">
+      <a:defRPr sz="1200" kern="1200">
+        <a:solidFill>
+          <a:schemeClr val="tx1"/>
+        </a:solidFill>
+        <a:latin typeface="+mn-lt"/>
+        <a:ea typeface="+mn-ea"/>
+        <a:cs typeface="+mn-cs"/>
+      </a:defRPr>
+    </a:lvl6pPr>
+    <a:lvl7pPr marL="2743200" algn="l" defTabSz="914400" rtl="0" eaLnBrk="1" latinLnBrk="0" hangingPunct="1">
+      <a:defRPr sz="1200" kern="1200">
+        <a:solidFill>
+          <a:schemeClr val="tx1"/>
+        </a:solidFill>
+        <a:latin typeface="+mn-lt"/>
+        <a:ea typeface="+mn-ea"/>
+        <a:cs typeface="+mn-cs"/>
+      </a:defRPr>
+    </a:lvl7pPr>
+    <a:lvl8pPr marL="3200400" algn="l" defTabSz="914400" rtl="0" eaLnBrk="1" latinLnBrk="0" hangingPunct="1">
+      <a:defRPr sz="1200" kern="1200">
+        <a:solidFill>
+          <a:schemeClr val="tx1"/>
+        </a:solidFill>
+        <a:latin typeface="+mn-lt"/>
+        <a:ea typeface="+mn-ea"/>
+        <a:cs typeface="+mn-cs"/>
+      </a:defRPr>
+    </a:lvl8pPr>
+    <a:lvl9pPr marL="3657600" algn="l" defTabSz="914400" rtl="0" eaLnBrk="1" latinLnBrk="0" hangingPunct="1">
+      <a:defRPr sz="1200" kern="1200">
+        <a:solidFill>
+          <a:schemeClr val="tx1"/>
+        </a:solidFill>
+        <a:latin typeface="+mn-lt"/>
+        <a:ea typeface="+mn-ea"/>
+        <a:cs typeface="+mn-cs"/>
+      </a:defRPr>
+    </a:lvl9pPr>
+  </p:notesStyle>
+</p:notesMaster>
 </file>
 
 <file path=ppt/slideLayouts/slideLayout1.xml><?xml version="1.0" encoding="utf-8"?>
@@ -462,9 +815,9 @@
           <a:bodyPr/>
           <a:lstStyle/>
           <a:p>
-            <a:fld id="{47EE743D-769E-46A8-A653-3C330FE82CA8}" type="datetimeFigureOut">
+            <a:fld id="{8C3339A4-841A-487C-9368-01E5FD258D08}" type="datetime1">
               <a:rPr lang="en-US" smtClean="0"/>
-              <a:t>6/13/2016</a:t>
+              <a:t>6/14/2016</a:t>
             </a:fld>
             <a:endParaRPr lang="en-US"/>
           </a:p>
@@ -627,9 +980,9 @@
           <a:bodyPr/>
           <a:lstStyle/>
           <a:p>
-            <a:fld id="{47EE743D-769E-46A8-A653-3C330FE82CA8}" type="datetimeFigureOut">
+            <a:fld id="{6F46F625-BDFF-49CC-A1F3-2A965C463FC8}" type="datetime1">
               <a:rPr lang="en-US" smtClean="0"/>
-              <a:t>6/13/2016</a:t>
+              <a:t>6/14/2016</a:t>
             </a:fld>
             <a:endParaRPr lang="en-US"/>
           </a:p>
@@ -802,9 +1155,9 @@
           <a:bodyPr/>
           <a:lstStyle/>
           <a:p>
-            <a:fld id="{47EE743D-769E-46A8-A653-3C330FE82CA8}" type="datetimeFigureOut">
+            <a:fld id="{F33F7593-7ECB-48E8-BB4B-22C9FA2BECBE}" type="datetime1">
               <a:rPr lang="en-US" smtClean="0"/>
-              <a:t>6/13/2016</a:t>
+              <a:t>6/14/2016</a:t>
             </a:fld>
             <a:endParaRPr lang="en-US"/>
           </a:p>
@@ -985,9 +1338,9 @@
           <a:bodyPr/>
           <a:lstStyle/>
           <a:p>
-            <a:fld id="{47EE743D-769E-46A8-A653-3C330FE82CA8}" type="datetimeFigureOut">
+            <a:fld id="{E05183EB-A2DC-4D3F-874E-6141866B14A2}" type="datetime1">
               <a:rPr lang="en-US" smtClean="0"/>
-              <a:t>6/13/2016</a:t>
+              <a:t>6/14/2016</a:t>
             </a:fld>
             <a:endParaRPr lang="en-US"/>
           </a:p>
@@ -1247,9 +1600,9 @@
           <a:bodyPr/>
           <a:lstStyle/>
           <a:p>
-            <a:fld id="{47EE743D-769E-46A8-A653-3C330FE82CA8}" type="datetimeFigureOut">
+            <a:fld id="{93F82280-D34E-4419-AA24-5BAE0A0A0819}" type="datetime1">
               <a:rPr lang="en-US" smtClean="0"/>
-              <a:t>6/13/2016</a:t>
+              <a:t>6/14/2016</a:t>
             </a:fld>
             <a:endParaRPr lang="en-US"/>
           </a:p>
@@ -1595,9 +1948,9 @@
           <a:bodyPr/>
           <a:lstStyle/>
           <a:p>
-            <a:fld id="{47EE743D-769E-46A8-A653-3C330FE82CA8}" type="datetimeFigureOut">
+            <a:fld id="{6E7B33F7-1490-4E01-9EA9-547DB47B02E2}" type="datetime1">
               <a:rPr lang="en-US" smtClean="0"/>
-              <a:t>6/13/2016</a:t>
+              <a:t>6/14/2016</a:t>
             </a:fld>
             <a:endParaRPr lang="en-US"/>
           </a:p>
@@ -1903,9 +2256,9 @@
           <a:bodyPr/>
           <a:lstStyle/>
           <a:p>
-            <a:fld id="{47EE743D-769E-46A8-A653-3C330FE82CA8}" type="datetimeFigureOut">
+            <a:fld id="{747973F8-FD31-447A-AF14-AC7C01EC6381}" type="datetime1">
               <a:rPr lang="en-US" smtClean="0"/>
-              <a:t>6/13/2016</a:t>
+              <a:t>6/14/2016</a:t>
             </a:fld>
             <a:endParaRPr lang="en-US"/>
           </a:p>
@@ -2130,9 +2483,9 @@
           <a:bodyPr/>
           <a:lstStyle/>
           <a:p>
-            <a:fld id="{47EE743D-769E-46A8-A653-3C330FE82CA8}" type="datetimeFigureOut">
+            <a:fld id="{231A3A55-7C38-4F0D-B8BA-A29C133B623E}" type="datetime1">
               <a:rPr lang="en-US" smtClean="0"/>
-              <a:t>6/13/2016</a:t>
+              <a:t>6/14/2016</a:t>
             </a:fld>
             <a:endParaRPr lang="en-US"/>
           </a:p>
@@ -2220,9 +2573,9 @@
           <a:bodyPr/>
           <a:lstStyle/>
           <a:p>
-            <a:fld id="{47EE743D-769E-46A8-A653-3C330FE82CA8}" type="datetimeFigureOut">
+            <a:fld id="{243C9F3C-66F1-440A-839C-7AD2405F3E68}" type="datetime1">
               <a:rPr lang="en-US" smtClean="0"/>
-              <a:t>6/13/2016</a:t>
+              <a:t>6/14/2016</a:t>
             </a:fld>
             <a:endParaRPr lang="en-US"/>
           </a:p>
@@ -2508,9 +2861,9 @@
           <a:bodyPr/>
           <a:lstStyle/>
           <a:p>
-            <a:fld id="{47EE743D-769E-46A8-A653-3C330FE82CA8}" type="datetimeFigureOut">
+            <a:fld id="{AD38DA72-B996-4598-80B6-D1D5072901C7}" type="datetime1">
               <a:rPr lang="en-US" smtClean="0"/>
-              <a:t>6/13/2016</a:t>
+              <a:t>6/14/2016</a:t>
             </a:fld>
             <a:endParaRPr lang="en-US"/>
           </a:p>
@@ -2777,9 +3130,9 @@
           <a:bodyPr/>
           <a:lstStyle/>
           <a:p>
-            <a:fld id="{47EE743D-769E-46A8-A653-3C330FE82CA8}" type="datetimeFigureOut">
+            <a:fld id="{F3AB6717-3447-4056-A90B-819E2DC67F72}" type="datetime1">
               <a:rPr lang="en-US" smtClean="0"/>
-              <a:t>6/13/2016</a:t>
+              <a:t>6/14/2016</a:t>
             </a:fld>
             <a:endParaRPr lang="en-US"/>
           </a:p>
@@ -2987,9 +3340,9 @@
             </a:lvl1pPr>
           </a:lstStyle>
           <a:p>
-            <a:fld id="{47EE743D-769E-46A8-A653-3C330FE82CA8}" type="datetimeFigureOut">
+            <a:fld id="{2F097988-46DA-420E-9866-484A932AB9A8}" type="datetime1">
               <a:rPr lang="en-US" smtClean="0"/>
-              <a:t>6/13/2016</a:t>
+              <a:t>6/14/2016</a:t>
             </a:fld>
             <a:endParaRPr lang="en-US"/>
           </a:p>
@@ -3200,6 +3553,7 @@
     <p:sldLayoutId id="2147483706" r:id="rId10"/>
     <p:sldLayoutId id="2147483707" r:id="rId11"/>
   </p:sldLayoutIdLst>
+  <p:hf hdr="0" ftr="0" dt="0"/>
   <p:txStyles>
     <p:titleStyle>
       <a:lvl1pPr algn="ctr" defTabSz="914400" rtl="0" eaLnBrk="1" latinLnBrk="0" hangingPunct="1">
@@ -3645,15 +3999,7 @@
             <a:pPr algn="just"/>
             <a:r>
               <a:rPr lang="ru-RU" dirty="0" smtClean="0"/>
-              <a:t>Синтаксический анализатор, </a:t>
-            </a:r>
-            <a:r>
-              <a:rPr lang="ru-RU" dirty="0" smtClean="0"/>
-              <a:t>входящий </a:t>
-            </a:r>
-            <a:r>
-              <a:rPr lang="ru-RU" dirty="0" smtClean="0"/>
-              <a:t>в библиотеку </a:t>
+              <a:t>Синтаксический анализатор, входящий в библиотеку </a:t>
             </a:r>
             <a:r>
               <a:rPr lang="en-US" b="1" dirty="0" smtClean="0"/>
@@ -3870,6 +4216,29 @@
                 </a:schemeClr>
               </a:solidFill>
             </a:endParaRPr>
+          </a:p>
+        </p:txBody>
+      </p:sp>
+      <p:sp>
+        <p:nvSpPr>
+          <p:cNvPr id="5" name="Номер слайда 4"/>
+          <p:cNvSpPr>
+            <a:spLocks noGrp="1"/>
+          </p:cNvSpPr>
+          <p:nvPr>
+            <p:ph type="sldNum" sz="quarter" idx="12"/>
+          </p:nvPr>
+        </p:nvSpPr>
+        <p:spPr/>
+        <p:txBody>
+          <a:bodyPr/>
+          <a:lstStyle/>
+          <a:p>
+            <a:fld id="{80C7EE24-5A58-4CC8-8405-44BC72441184}" type="slidenum">
+              <a:rPr lang="en-US" smtClean="0"/>
+              <a:t>10</a:t>
+            </a:fld>
+            <a:endParaRPr lang="en-US"/>
           </a:p>
         </p:txBody>
       </p:sp>
@@ -4117,6 +4486,29 @@
           </a:p>
         </p:txBody>
       </p:sp>
+      <p:sp>
+        <p:nvSpPr>
+          <p:cNvPr id="4" name="Номер слайда 3"/>
+          <p:cNvSpPr>
+            <a:spLocks noGrp="1"/>
+          </p:cNvSpPr>
+          <p:nvPr>
+            <p:ph type="sldNum" sz="quarter" idx="12"/>
+          </p:nvPr>
+        </p:nvSpPr>
+        <p:spPr/>
+        <p:txBody>
+          <a:bodyPr/>
+          <a:lstStyle/>
+          <a:p>
+            <a:fld id="{80C7EE24-5A58-4CC8-8405-44BC72441184}" type="slidenum">
+              <a:rPr lang="en-US" smtClean="0"/>
+              <a:t>11</a:t>
+            </a:fld>
+            <a:endParaRPr lang="en-US"/>
+          </a:p>
+        </p:txBody>
+      </p:sp>
     </p:spTree>
     <p:extLst>
       <p:ext uri="{BB962C8B-B14F-4D97-AF65-F5344CB8AC3E}">
@@ -4428,6 +4820,29 @@
           </a:p>
         </p:txBody>
       </p:sp>
+      <p:sp>
+        <p:nvSpPr>
+          <p:cNvPr id="5" name="Номер слайда 4"/>
+          <p:cNvSpPr>
+            <a:spLocks noGrp="1"/>
+          </p:cNvSpPr>
+          <p:nvPr>
+            <p:ph type="sldNum" sz="quarter" idx="12"/>
+          </p:nvPr>
+        </p:nvSpPr>
+        <p:spPr/>
+        <p:txBody>
+          <a:bodyPr/>
+          <a:lstStyle/>
+          <a:p>
+            <a:fld id="{80C7EE24-5A58-4CC8-8405-44BC72441184}" type="slidenum">
+              <a:rPr lang="en-US" smtClean="0"/>
+              <a:t>12</a:t>
+            </a:fld>
+            <a:endParaRPr lang="en-US"/>
+          </a:p>
+        </p:txBody>
+      </p:sp>
     </p:spTree>
     <p:extLst>
       <p:ext uri="{BB962C8B-B14F-4D97-AF65-F5344CB8AC3E}">
@@ -4696,6 +5111,29 @@
                 </a:schemeClr>
               </a:solidFill>
             </a:endParaRPr>
+          </a:p>
+        </p:txBody>
+      </p:sp>
+      <p:sp>
+        <p:nvSpPr>
+          <p:cNvPr id="5" name="Номер слайда 4"/>
+          <p:cNvSpPr>
+            <a:spLocks noGrp="1"/>
+          </p:cNvSpPr>
+          <p:nvPr>
+            <p:ph type="sldNum" sz="quarter" idx="12"/>
+          </p:nvPr>
+        </p:nvSpPr>
+        <p:spPr/>
+        <p:txBody>
+          <a:bodyPr/>
+          <a:lstStyle/>
+          <a:p>
+            <a:fld id="{80C7EE24-5A58-4CC8-8405-44BC72441184}" type="slidenum">
+              <a:rPr lang="en-US" smtClean="0"/>
+              <a:t>13</a:t>
+            </a:fld>
+            <a:endParaRPr lang="en-US"/>
           </a:p>
         </p:txBody>
       </p:sp>
@@ -5733,6 +6171,29 @@
           </a:fontRef>
         </p:style>
       </p:cxnSp>
+      <p:sp>
+        <p:nvSpPr>
+          <p:cNvPr id="3" name="Номер слайда 2"/>
+          <p:cNvSpPr>
+            <a:spLocks noGrp="1"/>
+          </p:cNvSpPr>
+          <p:nvPr>
+            <p:ph type="sldNum" sz="quarter" idx="12"/>
+          </p:nvPr>
+        </p:nvSpPr>
+        <p:spPr/>
+        <p:txBody>
+          <a:bodyPr/>
+          <a:lstStyle/>
+          <a:p>
+            <a:fld id="{80C7EE24-5A58-4CC8-8405-44BC72441184}" type="slidenum">
+              <a:rPr lang="en-US" smtClean="0"/>
+              <a:t>14</a:t>
+            </a:fld>
+            <a:endParaRPr lang="en-US"/>
+          </a:p>
+        </p:txBody>
+      </p:sp>
     </p:spTree>
     <p:extLst>
       <p:ext uri="{BB962C8B-B14F-4D97-AF65-F5344CB8AC3E}">
@@ -5839,6 +6300,29 @@
           </a:extLst>
         </p:spPr>
       </p:pic>
+      <p:sp>
+        <p:nvSpPr>
+          <p:cNvPr id="3" name="Номер слайда 2"/>
+          <p:cNvSpPr>
+            <a:spLocks noGrp="1"/>
+          </p:cNvSpPr>
+          <p:nvPr>
+            <p:ph type="sldNum" sz="quarter" idx="12"/>
+          </p:nvPr>
+        </p:nvSpPr>
+        <p:spPr/>
+        <p:txBody>
+          <a:bodyPr/>
+          <a:lstStyle/>
+          <a:p>
+            <a:fld id="{80C7EE24-5A58-4CC8-8405-44BC72441184}" type="slidenum">
+              <a:rPr lang="en-US" smtClean="0"/>
+              <a:t>15</a:t>
+            </a:fld>
+            <a:endParaRPr lang="en-US"/>
+          </a:p>
+        </p:txBody>
+      </p:sp>
     </p:spTree>
     <p:extLst>
       <p:ext uri="{BB962C8B-B14F-4D97-AF65-F5344CB8AC3E}">
@@ -6206,6 +6690,29 @@
           </p:sp>
         </mc:Fallback>
       </mc:AlternateContent>
+      <p:sp>
+        <p:nvSpPr>
+          <p:cNvPr id="4" name="Номер слайда 3"/>
+          <p:cNvSpPr>
+            <a:spLocks noGrp="1"/>
+          </p:cNvSpPr>
+          <p:nvPr>
+            <p:ph type="sldNum" sz="quarter" idx="12"/>
+          </p:nvPr>
+        </p:nvSpPr>
+        <p:spPr/>
+        <p:txBody>
+          <a:bodyPr/>
+          <a:lstStyle/>
+          <a:p>
+            <a:fld id="{80C7EE24-5A58-4CC8-8405-44BC72441184}" type="slidenum">
+              <a:rPr lang="en-US" smtClean="0"/>
+              <a:t>16</a:t>
+            </a:fld>
+            <a:endParaRPr lang="en-US"/>
+          </a:p>
+        </p:txBody>
+      </p:sp>
     </p:spTree>
     <p:extLst>
       <p:ext uri="{BB962C8B-B14F-4D97-AF65-F5344CB8AC3E}">
@@ -6523,6 +7030,29 @@
           </a:p>
         </p:txBody>
       </p:sp>
+      <p:sp>
+        <p:nvSpPr>
+          <p:cNvPr id="4" name="Номер слайда 3"/>
+          <p:cNvSpPr>
+            <a:spLocks noGrp="1"/>
+          </p:cNvSpPr>
+          <p:nvPr>
+            <p:ph type="sldNum" sz="quarter" idx="12"/>
+          </p:nvPr>
+        </p:nvSpPr>
+        <p:spPr/>
+        <p:txBody>
+          <a:bodyPr/>
+          <a:lstStyle/>
+          <a:p>
+            <a:fld id="{80C7EE24-5A58-4CC8-8405-44BC72441184}" type="slidenum">
+              <a:rPr lang="en-US" smtClean="0"/>
+              <a:t>17</a:t>
+            </a:fld>
+            <a:endParaRPr lang="en-US"/>
+          </a:p>
+        </p:txBody>
+      </p:sp>
     </p:spTree>
     <p:extLst>
       <p:ext uri="{BB962C8B-B14F-4D97-AF65-F5344CB8AC3E}">
@@ -6863,6 +7393,29 @@
           </a:p>
         </p:txBody>
       </p:sp>
+      <p:sp>
+        <p:nvSpPr>
+          <p:cNvPr id="4" name="Номер слайда 3"/>
+          <p:cNvSpPr>
+            <a:spLocks noGrp="1"/>
+          </p:cNvSpPr>
+          <p:nvPr>
+            <p:ph type="sldNum" sz="quarter" idx="12"/>
+          </p:nvPr>
+        </p:nvSpPr>
+        <p:spPr/>
+        <p:txBody>
+          <a:bodyPr/>
+          <a:lstStyle/>
+          <a:p>
+            <a:fld id="{80C7EE24-5A58-4CC8-8405-44BC72441184}" type="slidenum">
+              <a:rPr lang="en-US" smtClean="0"/>
+              <a:t>18</a:t>
+            </a:fld>
+            <a:endParaRPr lang="en-US"/>
+          </a:p>
+        </p:txBody>
+      </p:sp>
     </p:spTree>
     <p:extLst>
       <p:ext uri="{BB962C8B-B14F-4D97-AF65-F5344CB8AC3E}">
@@ -7001,6 +7554,29 @@
           <a:p>
             <a:pPr algn="just"/>
             <a:endParaRPr lang="en-US" dirty="0"/>
+          </a:p>
+        </p:txBody>
+      </p:sp>
+      <p:sp>
+        <p:nvSpPr>
+          <p:cNvPr id="4" name="Номер слайда 3"/>
+          <p:cNvSpPr>
+            <a:spLocks noGrp="1"/>
+          </p:cNvSpPr>
+          <p:nvPr>
+            <p:ph type="sldNum" sz="quarter" idx="12"/>
+          </p:nvPr>
+        </p:nvSpPr>
+        <p:spPr/>
+        <p:txBody>
+          <a:bodyPr/>
+          <a:lstStyle/>
+          <a:p>
+            <a:fld id="{80C7EE24-5A58-4CC8-8405-44BC72441184}" type="slidenum">
+              <a:rPr lang="en-US" smtClean="0"/>
+              <a:t>19</a:t>
+            </a:fld>
+            <a:endParaRPr lang="en-US"/>
           </a:p>
         </p:txBody>
       </p:sp>
@@ -7445,6 +8021,29 @@
           </a:fontRef>
         </p:style>
       </p:cxnSp>
+      <p:sp>
+        <p:nvSpPr>
+          <p:cNvPr id="8" name="Номер слайда 7"/>
+          <p:cNvSpPr>
+            <a:spLocks noGrp="1"/>
+          </p:cNvSpPr>
+          <p:nvPr>
+            <p:ph type="sldNum" sz="quarter" idx="12"/>
+          </p:nvPr>
+        </p:nvSpPr>
+        <p:spPr/>
+        <p:txBody>
+          <a:bodyPr/>
+          <a:lstStyle/>
+          <a:p>
+            <a:fld id="{80C7EE24-5A58-4CC8-8405-44BC72441184}" type="slidenum">
+              <a:rPr lang="en-US" smtClean="0"/>
+              <a:t>2</a:t>
+            </a:fld>
+            <a:endParaRPr lang="en-US"/>
+          </a:p>
+        </p:txBody>
+      </p:sp>
     </p:spTree>
     <p:extLst>
       <p:ext uri="{BB962C8B-B14F-4D97-AF65-F5344CB8AC3E}">
@@ -7847,6 +8446,29 @@
           </a:graphicData>
         </a:graphic>
       </p:graphicFrame>
+      <p:sp>
+        <p:nvSpPr>
+          <p:cNvPr id="3" name="Номер слайда 2"/>
+          <p:cNvSpPr>
+            <a:spLocks noGrp="1"/>
+          </p:cNvSpPr>
+          <p:nvPr>
+            <p:ph type="sldNum" sz="quarter" idx="12"/>
+          </p:nvPr>
+        </p:nvSpPr>
+        <p:spPr/>
+        <p:txBody>
+          <a:bodyPr/>
+          <a:lstStyle/>
+          <a:p>
+            <a:fld id="{80C7EE24-5A58-4CC8-8405-44BC72441184}" type="slidenum">
+              <a:rPr lang="en-US" smtClean="0"/>
+              <a:t>20</a:t>
+            </a:fld>
+            <a:endParaRPr lang="en-US"/>
+          </a:p>
+        </p:txBody>
+      </p:sp>
     </p:spTree>
     <p:extLst>
       <p:ext uri="{BB962C8B-B14F-4D97-AF65-F5344CB8AC3E}">
@@ -7937,6 +8559,29 @@
           </a:graphicData>
         </a:graphic>
       </p:graphicFrame>
+      <p:sp>
+        <p:nvSpPr>
+          <p:cNvPr id="3" name="Номер слайда 2"/>
+          <p:cNvSpPr>
+            <a:spLocks noGrp="1"/>
+          </p:cNvSpPr>
+          <p:nvPr>
+            <p:ph type="sldNum" sz="quarter" idx="12"/>
+          </p:nvPr>
+        </p:nvSpPr>
+        <p:spPr/>
+        <p:txBody>
+          <a:bodyPr/>
+          <a:lstStyle/>
+          <a:p>
+            <a:fld id="{80C7EE24-5A58-4CC8-8405-44BC72441184}" type="slidenum">
+              <a:rPr lang="en-US" smtClean="0"/>
+              <a:t>21</a:t>
+            </a:fld>
+            <a:endParaRPr lang="en-US"/>
+          </a:p>
+        </p:txBody>
+      </p:sp>
     </p:spTree>
     <p:extLst>
       <p:ext uri="{BB962C8B-B14F-4D97-AF65-F5344CB8AC3E}">
@@ -8024,11 +8669,7 @@
             </a:r>
             <a:r>
               <a:rPr lang="ru-RU" dirty="0" smtClean="0"/>
-              <a:t>такой системы </a:t>
-            </a:r>
-            <a:r>
-              <a:rPr lang="ru-RU" dirty="0" smtClean="0"/>
-              <a:t>без </a:t>
+              <a:t>такой системы без </a:t>
             </a:r>
             <a:r>
               <a:rPr lang="ru-RU" dirty="0"/>
@@ -8047,6 +8688,29 @@
               <a:t>образом, все поставленные задачи в ходе работы были выполнены, а цель работы можно считать достигнутой.</a:t>
             </a:r>
             <a:endParaRPr lang="en-US" dirty="0"/>
+          </a:p>
+        </p:txBody>
+      </p:sp>
+      <p:sp>
+        <p:nvSpPr>
+          <p:cNvPr id="4" name="Номер слайда 3"/>
+          <p:cNvSpPr>
+            <a:spLocks noGrp="1"/>
+          </p:cNvSpPr>
+          <p:nvPr>
+            <p:ph type="sldNum" sz="quarter" idx="12"/>
+          </p:nvPr>
+        </p:nvSpPr>
+        <p:spPr/>
+        <p:txBody>
+          <a:bodyPr/>
+          <a:lstStyle/>
+          <a:p>
+            <a:fld id="{80C7EE24-5A58-4CC8-8405-44BC72441184}" type="slidenum">
+              <a:rPr lang="en-US" smtClean="0"/>
+              <a:t>22</a:t>
+            </a:fld>
+            <a:endParaRPr lang="en-US"/>
           </a:p>
         </p:txBody>
       </p:sp>
@@ -8112,6 +8776,29 @@
               <a:t>Спасибо за внимание!</a:t>
             </a:r>
             <a:endParaRPr lang="en-US" dirty="0"/>
+          </a:p>
+        </p:txBody>
+      </p:sp>
+      <p:sp>
+        <p:nvSpPr>
+          <p:cNvPr id="2" name="Номер слайда 1"/>
+          <p:cNvSpPr>
+            <a:spLocks noGrp="1"/>
+          </p:cNvSpPr>
+          <p:nvPr>
+            <p:ph type="sldNum" sz="quarter" idx="12"/>
+          </p:nvPr>
+        </p:nvSpPr>
+        <p:spPr/>
+        <p:txBody>
+          <a:bodyPr/>
+          <a:lstStyle/>
+          <a:p>
+            <a:fld id="{80C7EE24-5A58-4CC8-8405-44BC72441184}" type="slidenum">
+              <a:rPr lang="en-US" smtClean="0"/>
+              <a:t>23</a:t>
+            </a:fld>
+            <a:endParaRPr lang="en-US"/>
           </a:p>
         </p:txBody>
       </p:sp>
@@ -8535,6 +9222,29 @@
           </a:extLst>
         </p:spPr>
       </p:pic>
+      <p:sp>
+        <p:nvSpPr>
+          <p:cNvPr id="5" name="Номер слайда 4"/>
+          <p:cNvSpPr>
+            <a:spLocks noGrp="1"/>
+          </p:cNvSpPr>
+          <p:nvPr>
+            <p:ph type="sldNum" sz="quarter" idx="12"/>
+          </p:nvPr>
+        </p:nvSpPr>
+        <p:spPr/>
+        <p:txBody>
+          <a:bodyPr/>
+          <a:lstStyle/>
+          <a:p>
+            <a:fld id="{80C7EE24-5A58-4CC8-8405-44BC72441184}" type="slidenum">
+              <a:rPr lang="en-US" smtClean="0"/>
+              <a:t>3</a:t>
+            </a:fld>
+            <a:endParaRPr lang="en-US"/>
+          </a:p>
+        </p:txBody>
+      </p:sp>
     </p:spTree>
     <p:extLst>
       <p:ext uri="{BB962C8B-B14F-4D97-AF65-F5344CB8AC3E}">
@@ -8620,19 +9330,7 @@
             <a:pPr algn="just"/>
             <a:r>
               <a:rPr lang="ru-RU" dirty="0" smtClean="0"/>
-              <a:t>Не получится определить </a:t>
-            </a:r>
-            <a:r>
-              <a:rPr lang="ru-RU" dirty="0" smtClean="0"/>
-              <a:t>подходящий </a:t>
-            </a:r>
-            <a:r>
-              <a:rPr lang="ru-RU" dirty="0" smtClean="0"/>
-              <a:t>грамматический </a:t>
-            </a:r>
-            <a:r>
-              <a:rPr lang="ru-RU" dirty="0" smtClean="0"/>
-              <a:t>шаблон для предложений с распространяющими словами:</a:t>
+              <a:t>Не получится определить подходящий грамматический шаблон для предложений с распространяющими словами:</a:t>
             </a:r>
           </a:p>
           <a:p>
@@ -8741,6 +9439,29 @@
               <a:t>Приходится добавлять новые грамматические шаблоны</a:t>
             </a:r>
             <a:endParaRPr lang="en-US" dirty="0"/>
+          </a:p>
+        </p:txBody>
+      </p:sp>
+      <p:sp>
+        <p:nvSpPr>
+          <p:cNvPr id="4" name="Номер слайда 3"/>
+          <p:cNvSpPr>
+            <a:spLocks noGrp="1"/>
+          </p:cNvSpPr>
+          <p:nvPr>
+            <p:ph type="sldNum" sz="quarter" idx="12"/>
+          </p:nvPr>
+        </p:nvSpPr>
+        <p:spPr/>
+        <p:txBody>
+          <a:bodyPr/>
+          <a:lstStyle/>
+          <a:p>
+            <a:fld id="{80C7EE24-5A58-4CC8-8405-44BC72441184}" type="slidenum">
+              <a:rPr lang="en-US" smtClean="0"/>
+              <a:t>4</a:t>
+            </a:fld>
+            <a:endParaRPr lang="en-US"/>
           </a:p>
         </p:txBody>
       </p:sp>
@@ -8893,25 +9614,39 @@
             <a:pPr algn="just"/>
             <a:r>
               <a:rPr lang="ru-RU" dirty="0" smtClean="0"/>
-              <a:t>Разработать метод подсчета достоверности </a:t>
-            </a:r>
+              <a:t>Разработать метод подсчета достоверности гипотез.</a:t>
+            </a:r>
+          </a:p>
+          <a:p>
+            <a:pPr algn="just"/>
             <a:r>
               <a:rPr lang="ru-RU" dirty="0" smtClean="0"/>
-              <a:t>гипотез.</a:t>
-            </a:r>
-            <a:endParaRPr lang="ru-RU" dirty="0" smtClean="0"/>
-          </a:p>
-          <a:p>
-            <a:pPr algn="just"/>
-            <a:r>
-              <a:rPr lang="ru-RU" dirty="0" smtClean="0"/>
-              <a:t>Провести тестирование алгоритма и оценить результаты его </a:t>
-            </a:r>
-            <a:r>
-              <a:rPr lang="ru-RU" dirty="0" smtClean="0"/>
-              <a:t>работы.</a:t>
+              <a:t>Провести тестирование алгоритма и оценить результаты его работы.</a:t>
             </a:r>
             <a:endParaRPr lang="en-US" dirty="0"/>
+          </a:p>
+        </p:txBody>
+      </p:sp>
+      <p:sp>
+        <p:nvSpPr>
+          <p:cNvPr id="4" name="Номер слайда 3"/>
+          <p:cNvSpPr>
+            <a:spLocks noGrp="1"/>
+          </p:cNvSpPr>
+          <p:nvPr>
+            <p:ph type="sldNum" sz="quarter" idx="12"/>
+          </p:nvPr>
+        </p:nvSpPr>
+        <p:spPr/>
+        <p:txBody>
+          <a:bodyPr/>
+          <a:lstStyle/>
+          <a:p>
+            <a:fld id="{80C7EE24-5A58-4CC8-8405-44BC72441184}" type="slidenum">
+              <a:rPr lang="en-US" smtClean="0"/>
+              <a:t>5</a:t>
+            </a:fld>
+            <a:endParaRPr lang="en-US"/>
           </a:p>
         </p:txBody>
       </p:sp>
@@ -9233,6 +9968,29 @@
           </a:p>
         </p:txBody>
       </p:sp>
+      <p:sp>
+        <p:nvSpPr>
+          <p:cNvPr id="4" name="Номер слайда 3"/>
+          <p:cNvSpPr>
+            <a:spLocks noGrp="1"/>
+          </p:cNvSpPr>
+          <p:nvPr>
+            <p:ph type="sldNum" sz="quarter" idx="12"/>
+          </p:nvPr>
+        </p:nvSpPr>
+        <p:spPr/>
+        <p:txBody>
+          <a:bodyPr/>
+          <a:lstStyle/>
+          <a:p>
+            <a:fld id="{80C7EE24-5A58-4CC8-8405-44BC72441184}" type="slidenum">
+              <a:rPr lang="en-US" smtClean="0"/>
+              <a:t>6</a:t>
+            </a:fld>
+            <a:endParaRPr lang="en-US"/>
+          </a:p>
+        </p:txBody>
+      </p:sp>
     </p:spTree>
     <p:extLst>
       <p:ext uri="{BB962C8B-B14F-4D97-AF65-F5344CB8AC3E}">
@@ -9355,6 +10113,29 @@
           </a:p>
         </p:txBody>
       </p:sp>
+      <p:sp>
+        <p:nvSpPr>
+          <p:cNvPr id="4" name="Номер слайда 3"/>
+          <p:cNvSpPr>
+            <a:spLocks noGrp="1"/>
+          </p:cNvSpPr>
+          <p:nvPr>
+            <p:ph type="sldNum" sz="quarter" idx="12"/>
+          </p:nvPr>
+        </p:nvSpPr>
+        <p:spPr/>
+        <p:txBody>
+          <a:bodyPr/>
+          <a:lstStyle/>
+          <a:p>
+            <a:fld id="{80C7EE24-5A58-4CC8-8405-44BC72441184}" type="slidenum">
+              <a:rPr lang="en-US" smtClean="0"/>
+              <a:t>7</a:t>
+            </a:fld>
+            <a:endParaRPr lang="en-US"/>
+          </a:p>
+        </p:txBody>
+      </p:sp>
     </p:spTree>
     <p:extLst>
       <p:ext uri="{BB962C8B-B14F-4D97-AF65-F5344CB8AC3E}">
@@ -9517,6 +10298,29 @@
           </a:p>
         </p:txBody>
       </p:sp>
+      <p:sp>
+        <p:nvSpPr>
+          <p:cNvPr id="4" name="Номер слайда 3"/>
+          <p:cNvSpPr>
+            <a:spLocks noGrp="1"/>
+          </p:cNvSpPr>
+          <p:nvPr>
+            <p:ph type="sldNum" sz="quarter" idx="12"/>
+          </p:nvPr>
+        </p:nvSpPr>
+        <p:spPr/>
+        <p:txBody>
+          <a:bodyPr/>
+          <a:lstStyle/>
+          <a:p>
+            <a:fld id="{80C7EE24-5A58-4CC8-8405-44BC72441184}" type="slidenum">
+              <a:rPr lang="en-US" smtClean="0"/>
+              <a:t>8</a:t>
+            </a:fld>
+            <a:endParaRPr lang="en-US"/>
+          </a:p>
+        </p:txBody>
+      </p:sp>
     </p:spTree>
     <p:extLst>
       <p:ext uri="{BB962C8B-B14F-4D97-AF65-F5344CB8AC3E}">
@@ -9692,6 +10496,29 @@
           </a:ln>
         </p:spPr>
       </p:pic>
+      <p:sp>
+        <p:nvSpPr>
+          <p:cNvPr id="4" name="Номер слайда 3"/>
+          <p:cNvSpPr>
+            <a:spLocks noGrp="1"/>
+          </p:cNvSpPr>
+          <p:nvPr>
+            <p:ph type="sldNum" sz="quarter" idx="12"/>
+          </p:nvPr>
+        </p:nvSpPr>
+        <p:spPr/>
+        <p:txBody>
+          <a:bodyPr/>
+          <a:lstStyle/>
+          <a:p>
+            <a:fld id="{80C7EE24-5A58-4CC8-8405-44BC72441184}" type="slidenum">
+              <a:rPr lang="en-US" smtClean="0"/>
+              <a:t>9</a:t>
+            </a:fld>
+            <a:endParaRPr lang="en-US"/>
+          </a:p>
+        </p:txBody>
+      </p:sp>
     </p:spTree>
     <p:extLst>
       <p:ext uri="{BB962C8B-B14F-4D97-AF65-F5344CB8AC3E}">
@@ -9990,4 +10817,289 @@
   <a:objectDefaults/>
   <a:extraClrSchemeLst/>
 </a:theme>
+</file>
+
+<file path=ppt/theme/theme2.xml><?xml version="1.0" encoding="utf-8"?>
+<a:theme xmlns:a="http://schemas.openxmlformats.org/drawingml/2006/main" name="Тема Office">
+  <a:themeElements>
+    <a:clrScheme name="Стандартная">
+      <a:dk1>
+        <a:sysClr val="windowText" lastClr="000000"/>
+      </a:dk1>
+      <a:lt1>
+        <a:sysClr val="window" lastClr="FFFFFF"/>
+      </a:lt1>
+      <a:dk2>
+        <a:srgbClr val="1F497D"/>
+      </a:dk2>
+      <a:lt2>
+        <a:srgbClr val="EEECE1"/>
+      </a:lt2>
+      <a:accent1>
+        <a:srgbClr val="4F81BD"/>
+      </a:accent1>
+      <a:accent2>
+        <a:srgbClr val="C0504D"/>
+      </a:accent2>
+      <a:accent3>
+        <a:srgbClr val="9BBB59"/>
+      </a:accent3>
+      <a:accent4>
+        <a:srgbClr val="8064A2"/>
+      </a:accent4>
+      <a:accent5>
+        <a:srgbClr val="4BACC6"/>
+      </a:accent5>
+      <a:accent6>
+        <a:srgbClr val="F79646"/>
+      </a:accent6>
+      <a:hlink>
+        <a:srgbClr val="0000FF"/>
+      </a:hlink>
+      <a:folHlink>
+        <a:srgbClr val="800080"/>
+      </a:folHlink>
+    </a:clrScheme>
+    <a:fontScheme name="Стандартная">
+      <a:majorFont>
+        <a:latin typeface="Calibri"/>
+        <a:ea typeface=""/>
+        <a:cs typeface=""/>
+        <a:font script="Jpan" typeface="ＭＳ Ｐゴシック"/>
+        <a:font script="Hang" typeface="맑은 고딕"/>
+        <a:font script="Hans" typeface="宋体"/>
+        <a:font script="Hant" typeface="新細明體"/>
+        <a:font script="Arab" typeface="Times New Roman"/>
+        <a:font script="Hebr" typeface="Times New Roman"/>
+        <a:font script="Thai" typeface="Angsana New"/>
+        <a:font script="Ethi" typeface="Nyala"/>
+        <a:font script="Beng" typeface="Vrinda"/>
+        <a:font script="Gujr" typeface="Shruti"/>
+        <a:font script="Khmr" typeface="MoolBoran"/>
+        <a:font script="Knda" typeface="Tunga"/>
+        <a:font script="Guru" typeface="Raavi"/>
+        <a:font script="Cans" typeface="Euphemia"/>
+        <a:font script="Cher" typeface="Plantagenet Cherokee"/>
+        <a:font script="Yiii" typeface="Microsoft Yi Baiti"/>
+        <a:font script="Tibt" typeface="Microsoft Himalaya"/>
+        <a:font script="Thaa" typeface="MV Boli"/>
+        <a:font script="Deva" typeface="Mangal"/>
+        <a:font script="Telu" typeface="Gautami"/>
+        <a:font script="Taml" typeface="Latha"/>
+        <a:font script="Syrc" typeface="Estrangelo Edessa"/>
+        <a:font script="Orya" typeface="Kalinga"/>
+        <a:font script="Mlym" typeface="Kartika"/>
+        <a:font script="Laoo" typeface="DokChampa"/>
+        <a:font script="Sinh" typeface="Iskoola Pota"/>
+        <a:font script="Mong" typeface="Mongolian Baiti"/>
+        <a:font script="Viet" typeface="Times New Roman"/>
+        <a:font script="Uigh" typeface="Microsoft Uighur"/>
+        <a:font script="Geor" typeface="Sylfaen"/>
+      </a:majorFont>
+      <a:minorFont>
+        <a:latin typeface="Calibri"/>
+        <a:ea typeface=""/>
+        <a:cs typeface=""/>
+        <a:font script="Jpan" typeface="ＭＳ Ｐゴシック"/>
+        <a:font script="Hang" typeface="맑은 고딕"/>
+        <a:font script="Hans" typeface="宋体"/>
+        <a:font script="Hant" typeface="新細明體"/>
+        <a:font script="Arab" typeface="Arial"/>
+        <a:font script="Hebr" typeface="Arial"/>
+        <a:font script="Thai" typeface="Cordia New"/>
+        <a:font script="Ethi" typeface="Nyala"/>
+        <a:font script="Beng" typeface="Vrinda"/>
+        <a:font script="Gujr" typeface="Shruti"/>
+        <a:font script="Khmr" typeface="DaunPenh"/>
+        <a:font script="Knda" typeface="Tunga"/>
+        <a:font script="Guru" typeface="Raavi"/>
+        <a:font script="Cans" typeface="Euphemia"/>
+        <a:font script="Cher" typeface="Plantagenet Cherokee"/>
+        <a:font script="Yiii" typeface="Microsoft Yi Baiti"/>
+        <a:font script="Tibt" typeface="Microsoft Himalaya"/>
+        <a:font script="Thaa" typeface="MV Boli"/>
+        <a:font script="Deva" typeface="Mangal"/>
+        <a:font script="Telu" typeface="Gautami"/>
+        <a:font script="Taml" typeface="Latha"/>
+        <a:font script="Syrc" typeface="Estrangelo Edessa"/>
+        <a:font script="Orya" typeface="Kalinga"/>
+        <a:font script="Mlym" typeface="Kartika"/>
+        <a:font script="Laoo" typeface="DokChampa"/>
+        <a:font script="Sinh" typeface="Iskoola Pota"/>
+        <a:font script="Mong" typeface="Mongolian Baiti"/>
+        <a:font script="Viet" typeface="Arial"/>
+        <a:font script="Uigh" typeface="Microsoft Uighur"/>
+        <a:font script="Geor" typeface="Sylfaen"/>
+      </a:minorFont>
+    </a:fontScheme>
+    <a:fmtScheme name="Стандартная">
+      <a:fillStyleLst>
+        <a:solidFill>
+          <a:schemeClr val="phClr"/>
+        </a:solidFill>
+        <a:gradFill rotWithShape="1">
+          <a:gsLst>
+            <a:gs pos="0">
+              <a:schemeClr val="phClr">
+                <a:tint val="50000"/>
+                <a:satMod val="300000"/>
+              </a:schemeClr>
+            </a:gs>
+            <a:gs pos="35000">
+              <a:schemeClr val="phClr">
+                <a:tint val="37000"/>
+                <a:satMod val="300000"/>
+              </a:schemeClr>
+            </a:gs>
+            <a:gs pos="100000">
+              <a:schemeClr val="phClr">
+                <a:tint val="15000"/>
+                <a:satMod val="350000"/>
+              </a:schemeClr>
+            </a:gs>
+          </a:gsLst>
+          <a:lin ang="16200000" scaled="1"/>
+        </a:gradFill>
+        <a:gradFill rotWithShape="1">
+          <a:gsLst>
+            <a:gs pos="0">
+              <a:schemeClr val="phClr">
+                <a:shade val="51000"/>
+                <a:satMod val="130000"/>
+              </a:schemeClr>
+            </a:gs>
+            <a:gs pos="80000">
+              <a:schemeClr val="phClr">
+                <a:shade val="93000"/>
+                <a:satMod val="130000"/>
+              </a:schemeClr>
+            </a:gs>
+            <a:gs pos="100000">
+              <a:schemeClr val="phClr">
+                <a:shade val="94000"/>
+                <a:satMod val="135000"/>
+              </a:schemeClr>
+            </a:gs>
+          </a:gsLst>
+          <a:lin ang="16200000" scaled="0"/>
+        </a:gradFill>
+      </a:fillStyleLst>
+      <a:lnStyleLst>
+        <a:ln w="9525" cap="flat" cmpd="sng" algn="ctr">
+          <a:solidFill>
+            <a:schemeClr val="phClr">
+              <a:shade val="95000"/>
+              <a:satMod val="105000"/>
+            </a:schemeClr>
+          </a:solidFill>
+          <a:prstDash val="solid"/>
+        </a:ln>
+        <a:ln w="25400" cap="flat" cmpd="sng" algn="ctr">
+          <a:solidFill>
+            <a:schemeClr val="phClr"/>
+          </a:solidFill>
+          <a:prstDash val="solid"/>
+        </a:ln>
+        <a:ln w="38100" cap="flat" cmpd="sng" algn="ctr">
+          <a:solidFill>
+            <a:schemeClr val="phClr"/>
+          </a:solidFill>
+          <a:prstDash val="solid"/>
+        </a:ln>
+      </a:lnStyleLst>
+      <a:effectStyleLst>
+        <a:effectStyle>
+          <a:effectLst>
+            <a:outerShdw blurRad="40000" dist="20000" dir="5400000" rotWithShape="0">
+              <a:srgbClr val="000000">
+                <a:alpha val="38000"/>
+              </a:srgbClr>
+            </a:outerShdw>
+          </a:effectLst>
+        </a:effectStyle>
+        <a:effectStyle>
+          <a:effectLst>
+            <a:outerShdw blurRad="40000" dist="23000" dir="5400000" rotWithShape="0">
+              <a:srgbClr val="000000">
+                <a:alpha val="35000"/>
+              </a:srgbClr>
+            </a:outerShdw>
+          </a:effectLst>
+        </a:effectStyle>
+        <a:effectStyle>
+          <a:effectLst>
+            <a:outerShdw blurRad="40000" dist="23000" dir="5400000" rotWithShape="0">
+              <a:srgbClr val="000000">
+                <a:alpha val="35000"/>
+              </a:srgbClr>
+            </a:outerShdw>
+          </a:effectLst>
+          <a:scene3d>
+            <a:camera prst="orthographicFront">
+              <a:rot lat="0" lon="0" rev="0"/>
+            </a:camera>
+            <a:lightRig rig="threePt" dir="t">
+              <a:rot lat="0" lon="0" rev="1200000"/>
+            </a:lightRig>
+          </a:scene3d>
+          <a:sp3d>
+            <a:bevelT w="63500" h="25400"/>
+          </a:sp3d>
+        </a:effectStyle>
+      </a:effectStyleLst>
+      <a:bgFillStyleLst>
+        <a:solidFill>
+          <a:schemeClr val="phClr"/>
+        </a:solidFill>
+        <a:gradFill rotWithShape="1">
+          <a:gsLst>
+            <a:gs pos="0">
+              <a:schemeClr val="phClr">
+                <a:tint val="40000"/>
+                <a:satMod val="350000"/>
+              </a:schemeClr>
+            </a:gs>
+            <a:gs pos="40000">
+              <a:schemeClr val="phClr">
+                <a:tint val="45000"/>
+                <a:shade val="99000"/>
+                <a:satMod val="350000"/>
+              </a:schemeClr>
+            </a:gs>
+            <a:gs pos="100000">
+              <a:schemeClr val="phClr">
+                <a:shade val="20000"/>
+                <a:satMod val="255000"/>
+              </a:schemeClr>
+            </a:gs>
+          </a:gsLst>
+          <a:path path="circle">
+            <a:fillToRect l="50000" t="-80000" r="50000" b="180000"/>
+          </a:path>
+        </a:gradFill>
+        <a:gradFill rotWithShape="1">
+          <a:gsLst>
+            <a:gs pos="0">
+              <a:schemeClr val="phClr">
+                <a:tint val="80000"/>
+                <a:satMod val="300000"/>
+              </a:schemeClr>
+            </a:gs>
+            <a:gs pos="100000">
+              <a:schemeClr val="phClr">
+                <a:shade val="30000"/>
+                <a:satMod val="200000"/>
+              </a:schemeClr>
+            </a:gs>
+          </a:gsLst>
+          <a:path path="circle">
+            <a:fillToRect l="50000" t="50000" r="50000" b="50000"/>
+          </a:path>
+        </a:gradFill>
+      </a:bgFillStyleLst>
+    </a:fmtScheme>
+  </a:themeElements>
+  <a:objectDefaults/>
+  <a:extraClrSchemeLst/>
+</a:theme>
 </file>